--- a/class 10/lab 7 (psp)/2. Presentation/PSP_9.pptx
+++ b/class 10/lab 7 (psp)/2. Presentation/PSP_9.pptx
@@ -10,7 +10,10 @@
     <p:sldId id="278" r:id="rId5"/>
     <p:sldId id="279" r:id="rId6"/>
     <p:sldId id="284" r:id="rId7"/>
-    <p:sldId id="283" r:id="rId8"/>
+    <p:sldId id="286" r:id="rId8"/>
+    <p:sldId id="287" r:id="rId9"/>
+    <p:sldId id="288" r:id="rId10"/>
+    <p:sldId id="283" r:id="rId11"/>
   </p:sldIdLst>
   <p:sldSz cx="12192000" cy="6858000"/>
   <p:notesSz cx="7103745" cy="10234295"/>
@@ -3636,9 +3639,19 @@
                 <a:latin typeface="Uroob" panose="00000800000000000000" charset="0"/>
                 <a:cs typeface="Uroob" panose="00000800000000000000" charset="0"/>
               </a:rPr>
-              <a:t>What are if...else statement?</a:t>
-            </a:r>
-            <a:endParaRPr lang="en-US" altLang="en-US" sz="7200">
+              <a:t>What is a function</a:t>
+            </a:r>
+            <a:r>
+              <a:rPr lang="" altLang="en-US" sz="7200">
+                <a:solidFill>
+                  <a:srgbClr val="C6790C"/>
+                </a:solidFill>
+                <a:latin typeface="Uroob" panose="00000800000000000000" charset="0"/>
+                <a:cs typeface="Uroob" panose="00000800000000000000" charset="0"/>
+              </a:rPr>
+              <a:t>?</a:t>
+            </a:r>
+            <a:endParaRPr lang="" altLang="en-US" sz="7200">
               <a:solidFill>
                 <a:srgbClr val="C6790C"/>
               </a:solidFill>
@@ -3656,8 +3669,8 @@
         </p:nvSpPr>
         <p:spPr>
           <a:xfrm>
-            <a:off x="670560" y="2198370"/>
-            <a:ext cx="4540885" cy="2245360"/>
+            <a:off x="1076960" y="2940685"/>
+            <a:ext cx="4540885" cy="1383665"/>
           </a:xfrm>
           <a:prstGeom prst="rect">
             <a:avLst/>
@@ -3671,7 +3684,7 @@
           <a:p>
             <a:r>
               <a:rPr lang="en-US" sz="2800"/>
-              <a:t>Decision making is required when we want to execute a code only if a certain condition is satisfied.</a:t>
+              <a:t>Function is a group of related statements that perform a specific task.</a:t>
             </a:r>
             <a:endParaRPr lang="en-US" sz="2800"/>
           </a:p>
@@ -3679,36 +3692,22 @@
       </p:sp>
       <p:pic>
         <p:nvPicPr>
-          <p:cNvPr id="2" name="Picture 1"/>
+          <p:cNvPr id="4" name="Picture 3"/>
           <p:cNvPicPr>
             <a:picLocks noChangeAspect="1"/>
           </p:cNvPicPr>
           <p:nvPr/>
         </p:nvPicPr>
         <p:blipFill>
-          <a:blip r:embed="rId4">
-            <a:clrChange>
-              <a:clrFrom>
-                <a:srgbClr val="FFFFFF">
-                  <a:alpha val="100000"/>
-                </a:srgbClr>
-              </a:clrFrom>
-              <a:clrTo>
-                <a:srgbClr val="FFFFFF">
-                  <a:alpha val="100000"/>
-                  <a:alpha val="0"/>
-                </a:srgbClr>
-              </a:clrTo>
-            </a:clrChange>
-          </a:blip>
+          <a:blip r:embed="rId4"/>
           <a:stretch>
             <a:fillRect/>
           </a:stretch>
         </p:blipFill>
         <p:spPr>
           <a:xfrm>
-            <a:off x="6000115" y="1725930"/>
-            <a:ext cx="5714365" cy="4402455"/>
+            <a:off x="6241415" y="1414145"/>
+            <a:ext cx="4761865" cy="4714240"/>
           </a:xfrm>
           <a:prstGeom prst="rect">
             <a:avLst/>
@@ -4000,7 +3999,7 @@
                 <a:latin typeface="Uroob" panose="00000800000000000000" charset="0"/>
                 <a:cs typeface="Uroob" panose="00000800000000000000" charset="0"/>
               </a:rPr>
-              <a:t>Syntax of if...else</a:t>
+              <a:t>Syntax of Function</a:t>
             </a:r>
             <a:endParaRPr lang="en-US" altLang="en-US" sz="8000">
               <a:solidFill>
@@ -4020,8 +4019,8 @@
         </p:nvSpPr>
         <p:spPr>
           <a:xfrm>
-            <a:off x="3125470" y="2368550"/>
-            <a:ext cx="6315075" cy="2553335"/>
+            <a:off x="2205990" y="2580005"/>
+            <a:ext cx="10107930" cy="1938020"/>
           </a:xfrm>
           <a:prstGeom prst="rect">
             <a:avLst/>
@@ -4044,10 +4043,43 @@
                 </a:solidFill>
                 <a:latin typeface="Liberation Mono" panose="02070409020205020404" charset="0"/>
               </a:rPr>
-              <a:t>if test expression:-    Body of if-else:-    Body of else</a:t>
+              <a:t>def function_name(parameters):</a:t>
+            </a:r>
+            <a:endParaRPr lang="en-US" sz="4000" b="0">
+              <a:solidFill>
+                <a:srgbClr val="252830"/>
+              </a:solidFill>
+              <a:latin typeface="Liberation Mono" panose="02070409020205020404" charset="0"/>
+            </a:endParaRPr>
+          </a:p>
+          <a:p>
+            <a:pPr marL="0" indent="0" algn="l"/>
+            <a:r>
+              <a:rPr lang="en-US" sz="4000" b="0">
+                <a:solidFill>
+                  <a:srgbClr val="252830"/>
+                </a:solidFill>
+                <a:latin typeface="Liberation Mono" panose="02070409020205020404" charset="0"/>
+              </a:rPr>
+              <a:t>	"""docstring"""</a:t>
+            </a:r>
+            <a:endParaRPr lang="en-US" sz="4000" b="0">
+              <a:solidFill>
+                <a:srgbClr val="252830"/>
+              </a:solidFill>
+              <a:latin typeface="Liberation Mono" panose="02070409020205020404" charset="0"/>
+            </a:endParaRPr>
+          </a:p>
+          <a:p>
+            <a:pPr marL="0" indent="0" algn="l"/>
+            <a:r>
+              <a:rPr lang="en-US" sz="4000" b="0">
+                <a:solidFill>
+                  <a:srgbClr val="252830"/>
+                </a:solidFill>
+                <a:latin typeface="Liberation Mono" panose="02070409020205020404" charset="0"/>
+              </a:rPr>
+              <a:t>	statement(s)</a:t>
             </a:r>
             <a:endParaRPr lang="en-US" sz="4000" b="0">
               <a:solidFill>
@@ -4343,7 +4375,7 @@
                 <a:latin typeface="Uroob" panose="00000800000000000000" charset="0"/>
                 <a:cs typeface="Uroob" panose="00000800000000000000" charset="0"/>
               </a:rPr>
-              <a:t>Syntax of if...elif...else</a:t>
+              <a:t>Example of a function</a:t>
             </a:r>
             <a:endParaRPr lang="en-US" altLang="en-US" sz="8000">
               <a:solidFill>
@@ -4363,8 +4395,8 @@
         </p:nvSpPr>
         <p:spPr>
           <a:xfrm>
-            <a:off x="3059430" y="1984058"/>
-            <a:ext cx="5080000" cy="4523105"/>
+            <a:off x="570865" y="2532380"/>
+            <a:ext cx="11563350" cy="2245360"/>
           </a:xfrm>
           <a:prstGeom prst="rect">
             <a:avLst/>
@@ -4375,26 +4407,93 @@
           </a:ln>
         </p:spPr>
         <p:txBody>
-          <a:bodyPr>
+          <a:bodyPr wrap="square">
             <a:spAutoFit/>
           </a:bodyPr>
           <a:p>
             <a:pPr marL="0" indent="0" algn="l"/>
             <a:r>
-              <a:rPr lang="en-US" sz="3600" b="0">
+              <a:rPr lang="en-US" sz="2800" b="0">
                 <a:solidFill>
                   <a:srgbClr val="252830"/>
                 </a:solidFill>
                 <a:latin typeface="Liberation Mono" panose="02070409020205020404" charset="0"/>
               </a:rPr>
-              <a:t>if test expression:-    Body of if-elif test expression:-    Body of elif-else: -    Body of else</a:t>
-            </a:r>
-            <a:endParaRPr lang="en-US" sz="3600" b="0">
+              <a:t>def greet(name):</a:t>
+            </a:r>
+            <a:endParaRPr lang="en-US" sz="2800" b="0">
+              <a:solidFill>
+                <a:srgbClr val="252830"/>
+              </a:solidFill>
+              <a:latin typeface="Liberation Mono" panose="02070409020205020404" charset="0"/>
+            </a:endParaRPr>
+          </a:p>
+          <a:p>
+            <a:pPr marL="0" indent="0" algn="l"/>
+            <a:r>
+              <a:rPr lang="en-US" sz="2800" b="0">
+                <a:solidFill>
+                  <a:srgbClr val="252830"/>
+                </a:solidFill>
+                <a:latin typeface="Liberation Mono" panose="02070409020205020404" charset="0"/>
+              </a:rPr>
+              <a:t>	"""This function greets to</a:t>
+            </a:r>
+            <a:endParaRPr lang="en-US" sz="2800" b="0">
+              <a:solidFill>
+                <a:srgbClr val="252830"/>
+              </a:solidFill>
+              <a:latin typeface="Liberation Mono" panose="02070409020205020404" charset="0"/>
+            </a:endParaRPr>
+          </a:p>
+          <a:p>
+            <a:pPr marL="0" indent="0" algn="l"/>
+            <a:r>
+              <a:rPr lang="en-US" sz="2800" b="0">
+                <a:solidFill>
+                  <a:srgbClr val="252830"/>
+                </a:solidFill>
+                <a:latin typeface="Liberation Mono" panose="02070409020205020404" charset="0"/>
+              </a:rPr>
+              <a:t>	the person passed in as</a:t>
+            </a:r>
+            <a:endParaRPr lang="en-US" sz="2800" b="0">
+              <a:solidFill>
+                <a:srgbClr val="252830"/>
+              </a:solidFill>
+              <a:latin typeface="Liberation Mono" panose="02070409020205020404" charset="0"/>
+            </a:endParaRPr>
+          </a:p>
+          <a:p>
+            <a:pPr marL="0" indent="0" algn="l"/>
+            <a:r>
+              <a:rPr lang="en-US" sz="2800" b="0">
+                <a:solidFill>
+                  <a:srgbClr val="252830"/>
+                </a:solidFill>
+                <a:latin typeface="Liberation Mono" panose="02070409020205020404" charset="0"/>
+              </a:rPr>
+              <a:t>	parameter"""</a:t>
+            </a:r>
+            <a:endParaRPr lang="en-US" sz="2800" b="0">
+              <a:solidFill>
+                <a:srgbClr val="252830"/>
+              </a:solidFill>
+              <a:latin typeface="Liberation Mono" panose="02070409020205020404" charset="0"/>
+            </a:endParaRPr>
+          </a:p>
+          <a:p>
+            <a:pPr marL="0" indent="0" algn="l"/>
+            <a:r>
+              <a:rPr lang="en-US" sz="2800" b="0">
+                <a:solidFill>
+                  <a:srgbClr val="252830"/>
+                </a:solidFill>
+                <a:latin typeface="Liberation Mono" panose="02070409020205020404" charset="0"/>
+              </a:rPr>
+              <a:t>	print("Hello, " + name + ". Good morning!")</a:t>
+            </a:r>
+            <a:endParaRPr lang="en-US" sz="2800" b="0">
               <a:solidFill>
                 <a:srgbClr val="252830"/>
               </a:solidFill>
@@ -4688,7 +4787,7 @@
                 <a:latin typeface="Uroob" panose="00000800000000000000" charset="0"/>
                 <a:cs typeface="Uroob" panose="00000800000000000000" charset="0"/>
               </a:rPr>
-              <a:t>Flowchart of if...elif...else</a:t>
+              <a:t>How to call a function?</a:t>
             </a:r>
             <a:endParaRPr lang="en-US" altLang="en-US" sz="8000">
               <a:solidFill>
@@ -4700,9 +4799,1425 @@
           </a:p>
         </p:txBody>
       </p:sp>
+      <p:sp>
+        <p:nvSpPr>
+          <p:cNvPr id="100" name="Text Box 99"/>
+          <p:cNvSpPr txBox="1"/>
+          <p:nvPr/>
+        </p:nvSpPr>
+        <p:spPr>
+          <a:xfrm>
+            <a:off x="108585" y="1984375"/>
+            <a:ext cx="6985000" cy="1198880"/>
+          </a:xfrm>
+          <a:prstGeom prst="rect">
+            <a:avLst/>
+          </a:prstGeom>
+          <a:noFill/>
+          <a:ln w="9525">
+            <a:noFill/>
+          </a:ln>
+        </p:spPr>
+        <p:txBody>
+          <a:bodyPr wrap="square">
+            <a:spAutoFit/>
+          </a:bodyPr>
+          <a:p>
+            <a:pPr indent="0"/>
+            <a:r>
+              <a:rPr lang="en-US">
+                <a:ln/>
+                <a:solidFill>
+                  <a:schemeClr val="tx1"/>
+                </a:solidFill>
+                <a:effectLst>
+                  <a:outerShdw blurRad="38100" dist="19050" dir="2700000" algn="tl" rotWithShape="0">
+                    <a:schemeClr val="dk1">
+                      <a:alpha val="40000"/>
+                    </a:schemeClr>
+                  </a:outerShdw>
+                </a:effectLst>
+                <a:latin typeface="Calibri" charset="0"/>
+                <a:cs typeface="SimSun" charset="0"/>
+              </a:rPr>
+              <a:t>Once we have defined a function, we can call it from another function, program or even the Python prompt. To call a function we simply type the function name with appropriate parameters.</a:t>
+            </a:r>
+            <a:endParaRPr lang="en-US">
+              <a:ln/>
+              <a:solidFill>
+                <a:schemeClr val="tx1"/>
+              </a:solidFill>
+              <a:effectLst>
+                <a:outerShdw blurRad="38100" dist="19050" dir="2700000" algn="tl" rotWithShape="0">
+                  <a:schemeClr val="dk1">
+                    <a:alpha val="40000"/>
+                  </a:schemeClr>
+                </a:outerShdw>
+              </a:effectLst>
+              <a:latin typeface="Calibri" charset="0"/>
+              <a:cs typeface="SimSun" charset="0"/>
+            </a:endParaRPr>
+          </a:p>
+        </p:txBody>
+      </p:sp>
+      <p:sp>
+        <p:nvSpPr>
+          <p:cNvPr id="3" name="Text Box 2"/>
+          <p:cNvSpPr txBox="1"/>
+          <p:nvPr/>
+        </p:nvSpPr>
+        <p:spPr>
+          <a:xfrm>
+            <a:off x="6634480" y="4044315"/>
+            <a:ext cx="5080000" cy="829945"/>
+          </a:xfrm>
+          <a:prstGeom prst="rect">
+            <a:avLst/>
+          </a:prstGeom>
+          <a:noFill/>
+          <a:ln w="9525">
+            <a:noFill/>
+          </a:ln>
+        </p:spPr>
+        <p:txBody>
+          <a:bodyPr>
+            <a:spAutoFit/>
+          </a:bodyPr>
+          <a:p>
+            <a:pPr marL="0" indent="0" algn="l"/>
+            <a:r>
+              <a:rPr lang="en-US" sz="2400" b="0">
+                <a:solidFill>
+                  <a:srgbClr val="252830"/>
+                </a:solidFill>
+                <a:latin typeface="Liberation Mono" panose="02070409020205020404" charset="0"/>
+              </a:rPr>
+              <a:t>&gt;&gt;&gt; greet('Paul')+Hello, Paul. Good morning!</a:t>
+            </a:r>
+            <a:endParaRPr lang="en-US" sz="2400" b="0">
+              <a:solidFill>
+                <a:srgbClr val="252830"/>
+              </a:solidFill>
+              <a:latin typeface="Liberation Mono" panose="02070409020205020404" charset="0"/>
+            </a:endParaRPr>
+          </a:p>
+        </p:txBody>
+      </p:sp>
+    </p:spTree>
+  </p:cSld>
+  <p:clrMapOvr>
+    <a:masterClrMapping/>
+  </p:clrMapOvr>
+</p:sld>
+</file>
+
+<file path=ppt/slides/slide6.xml><?xml version="1.0" encoding="utf-8"?>
+<p:sld xmlns:a="http://schemas.openxmlformats.org/drawingml/2006/main" xmlns:r="http://schemas.openxmlformats.org/officeDocument/2006/relationships" xmlns:p="http://schemas.openxmlformats.org/presentationml/2006/main">
+  <p:cSld>
+    <p:bg>
+      <p:bgPr>
+        <a:gradFill>
+          <a:gsLst>
+            <a:gs pos="94000">
+              <a:srgbClr val="54782E">
+                <a:alpha val="100000"/>
+              </a:srgbClr>
+            </a:gs>
+            <a:gs pos="99000">
+              <a:srgbClr val="557A2F">
+                <a:alpha val="100000"/>
+              </a:srgbClr>
+            </a:gs>
+            <a:gs pos="99000">
+              <a:srgbClr val="577D30">
+                <a:alpha val="100000"/>
+              </a:srgbClr>
+            </a:gs>
+            <a:gs pos="98000">
+              <a:srgbClr val="5C8433">
+                <a:alpha val="100000"/>
+              </a:srgbClr>
+            </a:gs>
+            <a:gs pos="96000">
+              <a:srgbClr val="659138">
+                <a:alpha val="100000"/>
+              </a:srgbClr>
+            </a:gs>
+            <a:gs pos="92000">
+              <a:srgbClr val="78AC42">
+                <a:alpha val="100000"/>
+              </a:srgbClr>
+            </a:gs>
+            <a:gs pos="42000">
+              <a:schemeClr val="bg1"/>
+            </a:gs>
+            <a:gs pos="100000">
+              <a:srgbClr val="52762D"/>
+            </a:gs>
+          </a:gsLst>
+          <a:lin ang="2700000" scaled="0"/>
+        </a:gradFill>
+        <a:effectLst/>
+      </p:bgPr>
+    </p:bg>
+    <p:spTree>
+      <p:nvGrpSpPr>
+        <p:cNvPr id="1" name=""/>
+        <p:cNvGrpSpPr/>
+        <p:nvPr/>
+      </p:nvGrpSpPr>
+      <p:grpSpPr/>
       <p:pic>
         <p:nvPicPr>
-          <p:cNvPr id="2" name="Picture 3" descr="IMG_256"/>
+          <p:cNvPr id="5" name="Picture 4" descr="United TrusT Logo"/>
+          <p:cNvPicPr>
+            <a:picLocks noChangeAspect="1"/>
+          </p:cNvPicPr>
+          <p:nvPr/>
+        </p:nvPicPr>
+        <p:blipFill>
+          <a:blip r:embed="rId1"/>
+          <a:stretch>
+            <a:fillRect/>
+          </a:stretch>
+        </p:blipFill>
+        <p:spPr>
+          <a:xfrm>
+            <a:off x="108585" y="6128385"/>
+            <a:ext cx="1650365" cy="634365"/>
+          </a:xfrm>
+          <a:prstGeom prst="rect">
+            <a:avLst/>
+          </a:prstGeom>
+        </p:spPr>
+      </p:pic>
+      <p:pic>
+        <p:nvPicPr>
+          <p:cNvPr id="6" name="Picture 5" descr="bdedu_logo"/>
+          <p:cNvPicPr>
+            <a:picLocks noChangeAspect="1"/>
+          </p:cNvPicPr>
+          <p:nvPr/>
+        </p:nvPicPr>
+        <p:blipFill>
+          <a:blip r:embed="rId2"/>
+          <a:stretch>
+            <a:fillRect/>
+          </a:stretch>
+        </p:blipFill>
+        <p:spPr>
+          <a:xfrm>
+            <a:off x="9440545" y="6061710"/>
+            <a:ext cx="2693670" cy="701040"/>
+          </a:xfrm>
+          <a:prstGeom prst="rect">
+            <a:avLst/>
+          </a:prstGeom>
+        </p:spPr>
+      </p:pic>
+      <p:pic>
+        <p:nvPicPr>
+          <p:cNvPr id="9" name="Picture 8"/>
+          <p:cNvPicPr>
+            <a:picLocks noChangeAspect="1"/>
+          </p:cNvPicPr>
+          <p:nvPr/>
+        </p:nvPicPr>
+        <p:blipFill>
+          <a:blip r:embed="rId3">
+            <a:lum bright="24000"/>
+          </a:blip>
+          <a:stretch>
+            <a:fillRect/>
+          </a:stretch>
+        </p:blipFill>
+        <p:spPr>
+          <a:xfrm>
+            <a:off x="108585" y="-498475"/>
+            <a:ext cx="2097405" cy="2482850"/>
+          </a:xfrm>
+          <a:prstGeom prst="rect">
+            <a:avLst/>
+          </a:prstGeom>
+          <a:noFill/>
+          <a:ln>
+            <a:noFill/>
+          </a:ln>
+        </p:spPr>
+      </p:pic>
+      <p:sp>
+        <p:nvSpPr>
+          <p:cNvPr id="10" name="Freeform 9"/>
+          <p:cNvSpPr/>
+          <p:nvPr/>
+        </p:nvSpPr>
+        <p:spPr>
+          <a:xfrm>
+            <a:off x="2205990" y="283845"/>
+            <a:ext cx="9353550" cy="1162050"/>
+          </a:xfrm>
+          <a:custGeom>
+            <a:avLst/>
+            <a:gdLst>
+              <a:gd name="connsiteX0" fmla="*/ 0 w 14730"/>
+              <a:gd name="connsiteY0" fmla="*/ 0 h 1830"/>
+              <a:gd name="connsiteX1" fmla="*/ 13869 w 14730"/>
+              <a:gd name="connsiteY1" fmla="*/ 60 h 1830"/>
+              <a:gd name="connsiteX2" fmla="*/ 14730 w 14730"/>
+              <a:gd name="connsiteY2" fmla="*/ 1830 h 1830"/>
+              <a:gd name="connsiteX3" fmla="*/ 0 w 14730"/>
+              <a:gd name="connsiteY3" fmla="*/ 1830 h 1830"/>
+              <a:gd name="connsiteX4" fmla="*/ 0 w 14730"/>
+              <a:gd name="connsiteY4" fmla="*/ 0 h 1830"/>
+            </a:gdLst>
+            <a:ahLst/>
+            <a:cxnLst>
+              <a:cxn ang="0">
+                <a:pos x="connsiteX0" y="connsiteY0"/>
+              </a:cxn>
+              <a:cxn ang="0">
+                <a:pos x="connsiteX1" y="connsiteY1"/>
+              </a:cxn>
+              <a:cxn ang="0">
+                <a:pos x="connsiteX2" y="connsiteY2"/>
+              </a:cxn>
+              <a:cxn ang="0">
+                <a:pos x="connsiteX3" y="connsiteY3"/>
+              </a:cxn>
+              <a:cxn ang="0">
+                <a:pos x="connsiteX4" y="connsiteY4"/>
+              </a:cxn>
+            </a:cxnLst>
+            <a:rect l="l" t="t" r="r" b="b"/>
+            <a:pathLst>
+              <a:path w="14730" h="1830">
+                <a:moveTo>
+                  <a:pt x="0" y="0"/>
+                </a:moveTo>
+                <a:lnTo>
+                  <a:pt x="13869" y="60"/>
+                </a:lnTo>
+                <a:lnTo>
+                  <a:pt x="14730" y="1830"/>
+                </a:lnTo>
+                <a:lnTo>
+                  <a:pt x="0" y="1830"/>
+                </a:lnTo>
+                <a:lnTo>
+                  <a:pt x="0" y="0"/>
+                </a:lnTo>
+                <a:close/>
+              </a:path>
+            </a:pathLst>
+          </a:custGeom>
+          <a:gradFill>
+            <a:gsLst>
+              <a:gs pos="80000">
+                <a:srgbClr val="92D050"/>
+              </a:gs>
+              <a:gs pos="100000">
+                <a:schemeClr val="accent1">
+                  <a:lumMod val="30000"/>
+                  <a:lumOff val="70000"/>
+                </a:schemeClr>
+              </a:gs>
+            </a:gsLst>
+            <a:path path="rect">
+              <a:fillToRect l="50000" t="50000" r="50000" b="50000"/>
+            </a:path>
+            <a:tileRect/>
+          </a:gradFill>
+          <a:ln>
+            <a:solidFill>
+              <a:schemeClr val="bg1">
+                <a:alpha val="88000"/>
+              </a:schemeClr>
+            </a:solidFill>
+          </a:ln>
+        </p:spPr>
+        <p:style>
+          <a:lnRef idx="2">
+            <a:schemeClr val="accent1">
+              <a:shade val="50000"/>
+            </a:schemeClr>
+          </a:lnRef>
+          <a:fillRef idx="1">
+            <a:schemeClr val="accent1"/>
+          </a:fillRef>
+          <a:effectRef idx="0">
+            <a:schemeClr val="accent1"/>
+          </a:effectRef>
+          <a:fontRef idx="minor">
+            <a:schemeClr val="lt1"/>
+          </a:fontRef>
+        </p:style>
+        <p:txBody>
+          <a:bodyPr rtlCol="0" anchor="ctr"/>
+          <a:p>
+            <a:pPr algn="ctr"/>
+            <a:endParaRPr lang="en-US"/>
+          </a:p>
+        </p:txBody>
+      </p:sp>
+      <p:sp>
+        <p:nvSpPr>
+          <p:cNvPr id="11" name="Text Box 10"/>
+          <p:cNvSpPr txBox="1"/>
+          <p:nvPr/>
+        </p:nvSpPr>
+        <p:spPr>
+          <a:xfrm>
+            <a:off x="2205990" y="283845"/>
+            <a:ext cx="9508490" cy="1322070"/>
+          </a:xfrm>
+          <a:prstGeom prst="rect">
+            <a:avLst/>
+          </a:prstGeom>
+          <a:noFill/>
+        </p:spPr>
+        <p:txBody>
+          <a:bodyPr wrap="square" rtlCol="0">
+            <a:spAutoFit/>
+          </a:bodyPr>
+          <a:p>
+            <a:r>
+              <a:rPr lang="en-US" altLang="en-US" sz="8000">
+                <a:solidFill>
+                  <a:srgbClr val="C6790C"/>
+                </a:solidFill>
+                <a:latin typeface="Uroob" panose="00000800000000000000" charset="0"/>
+                <a:cs typeface="Uroob" panose="00000800000000000000" charset="0"/>
+              </a:rPr>
+              <a:t>Docstring</a:t>
+            </a:r>
+            <a:endParaRPr lang="en-US" altLang="en-US" sz="8000">
+              <a:solidFill>
+                <a:srgbClr val="C6790C"/>
+              </a:solidFill>
+              <a:latin typeface="Uroob" panose="00000800000000000000" charset="0"/>
+              <a:cs typeface="Uroob" panose="00000800000000000000" charset="0"/>
+            </a:endParaRPr>
+          </a:p>
+        </p:txBody>
+      </p:sp>
+      <p:sp>
+        <p:nvSpPr>
+          <p:cNvPr id="100" name="Text Box 99"/>
+          <p:cNvSpPr txBox="1"/>
+          <p:nvPr/>
+        </p:nvSpPr>
+        <p:spPr>
+          <a:xfrm>
+            <a:off x="108585" y="1984375"/>
+            <a:ext cx="6985000" cy="922020"/>
+          </a:xfrm>
+          <a:prstGeom prst="rect">
+            <a:avLst/>
+          </a:prstGeom>
+          <a:noFill/>
+          <a:ln w="9525">
+            <a:noFill/>
+          </a:ln>
+        </p:spPr>
+        <p:txBody>
+          <a:bodyPr wrap="square">
+            <a:spAutoFit/>
+          </a:bodyPr>
+          <a:p>
+            <a:pPr indent="0"/>
+            <a:r>
+              <a:rPr lang="en-US">
+                <a:effectLst>
+                  <a:outerShdw blurRad="38100" dist="19050" dir="2700000" algn="tl" rotWithShape="0">
+                    <a:schemeClr val="dk1">
+                      <a:alpha val="40000"/>
+                    </a:schemeClr>
+                  </a:outerShdw>
+                </a:effectLst>
+                <a:latin typeface="Calibri" charset="0"/>
+                <a:cs typeface="SimSun" charset="0"/>
+              </a:rPr>
+              <a:t>documentation strings (or docstrings) provide a convenient way of associating documentation with modules, functions, classes, and methods. </a:t>
+            </a:r>
+            <a:endParaRPr lang="en-US">
+              <a:effectLst>
+                <a:outerShdw blurRad="38100" dist="19050" dir="2700000" algn="tl" rotWithShape="0">
+                  <a:schemeClr val="dk1">
+                    <a:alpha val="40000"/>
+                  </a:schemeClr>
+                </a:outerShdw>
+              </a:effectLst>
+              <a:latin typeface="Calibri" charset="0"/>
+              <a:cs typeface="SimSun" charset="0"/>
+            </a:endParaRPr>
+          </a:p>
+        </p:txBody>
+      </p:sp>
+      <p:sp>
+        <p:nvSpPr>
+          <p:cNvPr id="2" name="Text Box 1"/>
+          <p:cNvSpPr txBox="1"/>
+          <p:nvPr/>
+        </p:nvSpPr>
+        <p:spPr>
+          <a:xfrm>
+            <a:off x="2489835" y="4419600"/>
+            <a:ext cx="9518015" cy="1198880"/>
+          </a:xfrm>
+          <a:prstGeom prst="rect">
+            <a:avLst/>
+          </a:prstGeom>
+          <a:noFill/>
+          <a:ln w="9525">
+            <a:noFill/>
+          </a:ln>
+        </p:spPr>
+        <p:txBody>
+          <a:bodyPr wrap="square">
+            <a:spAutoFit/>
+          </a:bodyPr>
+          <a:p>
+            <a:pPr marL="0" indent="0" algn="l"/>
+            <a:r>
+              <a:rPr lang="en-US" sz="2400" b="0">
+                <a:solidFill>
+                  <a:srgbClr val="000000"/>
+                </a:solidFill>
+                <a:latin typeface="Liberation Mono" panose="02070409020205020404" charset="0"/>
+              </a:rPr>
+              <a:t>&gt;&gt;&gt; </a:t>
+            </a:r>
+            <a:r>
+              <a:rPr lang="en-US" sz="2400" b="0">
+                <a:solidFill>
+                  <a:srgbClr val="00008B"/>
+                </a:solidFill>
+                <a:latin typeface="Liberation Mono" panose="02070409020205020404" charset="0"/>
+              </a:rPr>
+              <a:t>print</a:t>
+            </a:r>
+            <a:r>
+              <a:rPr lang="en-US" sz="2400" b="0">
+                <a:solidFill>
+                  <a:srgbClr val="000000"/>
+                </a:solidFill>
+                <a:latin typeface="Liberation Mono" panose="02070409020205020404" charset="0"/>
+              </a:rPr>
+              <a:t>(greet.__doc__)</a:t>
+            </a:r>
+            <a:r>
+              <a:rPr lang="en-US" sz="2400" b="0">
+                <a:solidFill>
+                  <a:srgbClr val="2B91AF"/>
+                </a:solidFill>
+                <a:latin typeface="Liberation Mono" panose="02070409020205020404" charset="0"/>
+              </a:rPr>
+              <a:t>This</a:t>
+            </a:r>
+            <a:r>
+              <a:rPr lang="en-US" sz="2400" b="0">
+                <a:solidFill>
+                  <a:srgbClr val="000000"/>
+                </a:solidFill>
+                <a:latin typeface="Liberation Mono" panose="02070409020205020404" charset="0"/>
+              </a:rPr>
+              <a:t> </a:t>
+            </a:r>
+            <a:r>
+              <a:rPr lang="en-US" sz="2400" b="0">
+                <a:solidFill>
+                  <a:srgbClr val="00008B"/>
+                </a:solidFill>
+                <a:latin typeface="Liberation Mono" panose="02070409020205020404" charset="0"/>
+              </a:rPr>
+              <a:t>function</a:t>
+            </a:r>
+            <a:r>
+              <a:rPr lang="en-US" sz="2400" b="0">
+                <a:solidFill>
+                  <a:srgbClr val="000000"/>
+                </a:solidFill>
+                <a:latin typeface="Liberation Mono" panose="02070409020205020404" charset="0"/>
+              </a:rPr>
+              <a:t> greets to+	the person passed </a:t>
+            </a:r>
+            <a:r>
+              <a:rPr lang="en-US" sz="2400" b="0">
+                <a:solidFill>
+                  <a:srgbClr val="00008B"/>
+                </a:solidFill>
+                <a:latin typeface="Liberation Mono" panose="02070409020205020404" charset="0"/>
+              </a:rPr>
+              <a:t>into</a:t>
+            </a:r>
+            <a:r>
+              <a:rPr lang="en-US" sz="2400" b="0">
+                <a:solidFill>
+                  <a:srgbClr val="000000"/>
+                </a:solidFill>
+                <a:latin typeface="Liberation Mono" panose="02070409020205020404" charset="0"/>
+              </a:rPr>
+              <a:t> the+	name parameter</a:t>
+            </a:r>
+            <a:endParaRPr lang="en-US" sz="2400" b="0">
+              <a:solidFill>
+                <a:srgbClr val="000000"/>
+              </a:solidFill>
+              <a:latin typeface="Liberation Mono" panose="02070409020205020404" charset="0"/>
+            </a:endParaRPr>
+          </a:p>
+        </p:txBody>
+      </p:sp>
+    </p:spTree>
+  </p:cSld>
+  <p:clrMapOvr>
+    <a:masterClrMapping/>
+  </p:clrMapOvr>
+</p:sld>
+</file>
+
+<file path=ppt/slides/slide7.xml><?xml version="1.0" encoding="utf-8"?>
+<p:sld xmlns:a="http://schemas.openxmlformats.org/drawingml/2006/main" xmlns:r="http://schemas.openxmlformats.org/officeDocument/2006/relationships" xmlns:p="http://schemas.openxmlformats.org/presentationml/2006/main">
+  <p:cSld>
+    <p:bg>
+      <p:bgPr>
+        <a:gradFill>
+          <a:gsLst>
+            <a:gs pos="94000">
+              <a:srgbClr val="54782E">
+                <a:alpha val="100000"/>
+              </a:srgbClr>
+            </a:gs>
+            <a:gs pos="99000">
+              <a:srgbClr val="557A2F">
+                <a:alpha val="100000"/>
+              </a:srgbClr>
+            </a:gs>
+            <a:gs pos="99000">
+              <a:srgbClr val="577D30">
+                <a:alpha val="100000"/>
+              </a:srgbClr>
+            </a:gs>
+            <a:gs pos="98000">
+              <a:srgbClr val="5C8433">
+                <a:alpha val="100000"/>
+              </a:srgbClr>
+            </a:gs>
+            <a:gs pos="96000">
+              <a:srgbClr val="659138">
+                <a:alpha val="100000"/>
+              </a:srgbClr>
+            </a:gs>
+            <a:gs pos="92000">
+              <a:srgbClr val="78AC42">
+                <a:alpha val="100000"/>
+              </a:srgbClr>
+            </a:gs>
+            <a:gs pos="42000">
+              <a:schemeClr val="bg1"/>
+            </a:gs>
+            <a:gs pos="100000">
+              <a:srgbClr val="52762D"/>
+            </a:gs>
+          </a:gsLst>
+          <a:lin ang="2700000" scaled="0"/>
+        </a:gradFill>
+        <a:effectLst/>
+      </p:bgPr>
+    </p:bg>
+    <p:spTree>
+      <p:nvGrpSpPr>
+        <p:cNvPr id="1" name=""/>
+        <p:cNvGrpSpPr/>
+        <p:nvPr/>
+      </p:nvGrpSpPr>
+      <p:grpSpPr/>
+      <p:pic>
+        <p:nvPicPr>
+          <p:cNvPr id="5" name="Picture 4" descr="United TrusT Logo"/>
+          <p:cNvPicPr>
+            <a:picLocks noChangeAspect="1"/>
+          </p:cNvPicPr>
+          <p:nvPr/>
+        </p:nvPicPr>
+        <p:blipFill>
+          <a:blip r:embed="rId1"/>
+          <a:stretch>
+            <a:fillRect/>
+          </a:stretch>
+        </p:blipFill>
+        <p:spPr>
+          <a:xfrm>
+            <a:off x="108585" y="6128385"/>
+            <a:ext cx="1650365" cy="634365"/>
+          </a:xfrm>
+          <a:prstGeom prst="rect">
+            <a:avLst/>
+          </a:prstGeom>
+        </p:spPr>
+      </p:pic>
+      <p:pic>
+        <p:nvPicPr>
+          <p:cNvPr id="6" name="Picture 5" descr="bdedu_logo"/>
+          <p:cNvPicPr>
+            <a:picLocks noChangeAspect="1"/>
+          </p:cNvPicPr>
+          <p:nvPr/>
+        </p:nvPicPr>
+        <p:blipFill>
+          <a:blip r:embed="rId2"/>
+          <a:stretch>
+            <a:fillRect/>
+          </a:stretch>
+        </p:blipFill>
+        <p:spPr>
+          <a:xfrm>
+            <a:off x="9440545" y="6061710"/>
+            <a:ext cx="2693670" cy="701040"/>
+          </a:xfrm>
+          <a:prstGeom prst="rect">
+            <a:avLst/>
+          </a:prstGeom>
+        </p:spPr>
+      </p:pic>
+      <p:pic>
+        <p:nvPicPr>
+          <p:cNvPr id="9" name="Picture 8"/>
+          <p:cNvPicPr>
+            <a:picLocks noChangeAspect="1"/>
+          </p:cNvPicPr>
+          <p:nvPr/>
+        </p:nvPicPr>
+        <p:blipFill>
+          <a:blip r:embed="rId3">
+            <a:lum bright="24000"/>
+          </a:blip>
+          <a:stretch>
+            <a:fillRect/>
+          </a:stretch>
+        </p:blipFill>
+        <p:spPr>
+          <a:xfrm>
+            <a:off x="108585" y="-498475"/>
+            <a:ext cx="2097405" cy="2482850"/>
+          </a:xfrm>
+          <a:prstGeom prst="rect">
+            <a:avLst/>
+          </a:prstGeom>
+          <a:noFill/>
+          <a:ln>
+            <a:noFill/>
+          </a:ln>
+        </p:spPr>
+      </p:pic>
+      <p:sp>
+        <p:nvSpPr>
+          <p:cNvPr id="10" name="Freeform 9"/>
+          <p:cNvSpPr/>
+          <p:nvPr/>
+        </p:nvSpPr>
+        <p:spPr>
+          <a:xfrm>
+            <a:off x="2205990" y="283845"/>
+            <a:ext cx="9353550" cy="1162050"/>
+          </a:xfrm>
+          <a:custGeom>
+            <a:avLst/>
+            <a:gdLst>
+              <a:gd name="connsiteX0" fmla="*/ 0 w 14730"/>
+              <a:gd name="connsiteY0" fmla="*/ 0 h 1830"/>
+              <a:gd name="connsiteX1" fmla="*/ 13869 w 14730"/>
+              <a:gd name="connsiteY1" fmla="*/ 60 h 1830"/>
+              <a:gd name="connsiteX2" fmla="*/ 14730 w 14730"/>
+              <a:gd name="connsiteY2" fmla="*/ 1830 h 1830"/>
+              <a:gd name="connsiteX3" fmla="*/ 0 w 14730"/>
+              <a:gd name="connsiteY3" fmla="*/ 1830 h 1830"/>
+              <a:gd name="connsiteX4" fmla="*/ 0 w 14730"/>
+              <a:gd name="connsiteY4" fmla="*/ 0 h 1830"/>
+            </a:gdLst>
+            <a:ahLst/>
+            <a:cxnLst>
+              <a:cxn ang="0">
+                <a:pos x="connsiteX0" y="connsiteY0"/>
+              </a:cxn>
+              <a:cxn ang="0">
+                <a:pos x="connsiteX1" y="connsiteY1"/>
+              </a:cxn>
+              <a:cxn ang="0">
+                <a:pos x="connsiteX2" y="connsiteY2"/>
+              </a:cxn>
+              <a:cxn ang="0">
+                <a:pos x="connsiteX3" y="connsiteY3"/>
+              </a:cxn>
+              <a:cxn ang="0">
+                <a:pos x="connsiteX4" y="connsiteY4"/>
+              </a:cxn>
+            </a:cxnLst>
+            <a:rect l="l" t="t" r="r" b="b"/>
+            <a:pathLst>
+              <a:path w="14730" h="1830">
+                <a:moveTo>
+                  <a:pt x="0" y="0"/>
+                </a:moveTo>
+                <a:lnTo>
+                  <a:pt x="13869" y="60"/>
+                </a:lnTo>
+                <a:lnTo>
+                  <a:pt x="14730" y="1830"/>
+                </a:lnTo>
+                <a:lnTo>
+                  <a:pt x="0" y="1830"/>
+                </a:lnTo>
+                <a:lnTo>
+                  <a:pt x="0" y="0"/>
+                </a:lnTo>
+                <a:close/>
+              </a:path>
+            </a:pathLst>
+          </a:custGeom>
+          <a:gradFill>
+            <a:gsLst>
+              <a:gs pos="80000">
+                <a:srgbClr val="92D050"/>
+              </a:gs>
+              <a:gs pos="100000">
+                <a:schemeClr val="accent1">
+                  <a:lumMod val="30000"/>
+                  <a:lumOff val="70000"/>
+                </a:schemeClr>
+              </a:gs>
+            </a:gsLst>
+            <a:path path="rect">
+              <a:fillToRect l="50000" t="50000" r="50000" b="50000"/>
+            </a:path>
+            <a:tileRect/>
+          </a:gradFill>
+          <a:ln>
+            <a:solidFill>
+              <a:schemeClr val="bg1">
+                <a:alpha val="88000"/>
+              </a:schemeClr>
+            </a:solidFill>
+          </a:ln>
+        </p:spPr>
+        <p:style>
+          <a:lnRef idx="2">
+            <a:schemeClr val="accent1">
+              <a:shade val="50000"/>
+            </a:schemeClr>
+          </a:lnRef>
+          <a:fillRef idx="1">
+            <a:schemeClr val="accent1"/>
+          </a:fillRef>
+          <a:effectRef idx="0">
+            <a:schemeClr val="accent1"/>
+          </a:effectRef>
+          <a:fontRef idx="minor">
+            <a:schemeClr val="lt1"/>
+          </a:fontRef>
+        </p:style>
+        <p:txBody>
+          <a:bodyPr rtlCol="0" anchor="ctr"/>
+          <a:p>
+            <a:pPr algn="ctr"/>
+            <a:endParaRPr lang="en-US"/>
+          </a:p>
+        </p:txBody>
+      </p:sp>
+      <p:sp>
+        <p:nvSpPr>
+          <p:cNvPr id="11" name="Text Box 10"/>
+          <p:cNvSpPr txBox="1"/>
+          <p:nvPr/>
+        </p:nvSpPr>
+        <p:spPr>
+          <a:xfrm>
+            <a:off x="2205990" y="283845"/>
+            <a:ext cx="9508490" cy="1322070"/>
+          </a:xfrm>
+          <a:prstGeom prst="rect">
+            <a:avLst/>
+          </a:prstGeom>
+          <a:noFill/>
+        </p:spPr>
+        <p:txBody>
+          <a:bodyPr wrap="square" rtlCol="0">
+            <a:spAutoFit/>
+          </a:bodyPr>
+          <a:p>
+            <a:r>
+              <a:rPr lang="en-US" altLang="en-US" sz="8000">
+                <a:solidFill>
+                  <a:srgbClr val="C6790C"/>
+                </a:solidFill>
+                <a:latin typeface="Uroob" panose="00000800000000000000" charset="0"/>
+                <a:cs typeface="Uroob" panose="00000800000000000000" charset="0"/>
+              </a:rPr>
+              <a:t>Example of return</a:t>
+            </a:r>
+            <a:endParaRPr lang="en-US" altLang="en-US" sz="8000">
+              <a:solidFill>
+                <a:srgbClr val="C6790C"/>
+              </a:solidFill>
+              <a:latin typeface="Uroob" panose="00000800000000000000" charset="0"/>
+              <a:cs typeface="Uroob" panose="00000800000000000000" charset="0"/>
+            </a:endParaRPr>
+          </a:p>
+        </p:txBody>
+      </p:sp>
+      <p:sp>
+        <p:nvSpPr>
+          <p:cNvPr id="2" name="Text Box 1"/>
+          <p:cNvSpPr txBox="1"/>
+          <p:nvPr/>
+        </p:nvSpPr>
+        <p:spPr>
+          <a:xfrm>
+            <a:off x="2616200" y="2140585"/>
+            <a:ext cx="9518015" cy="3538220"/>
+          </a:xfrm>
+          <a:prstGeom prst="rect">
+            <a:avLst/>
+          </a:prstGeom>
+          <a:noFill/>
+          <a:ln w="9525">
+            <a:noFill/>
+          </a:ln>
+        </p:spPr>
+        <p:txBody>
+          <a:bodyPr wrap="square">
+            <a:spAutoFit/>
+          </a:bodyPr>
+          <a:p>
+            <a:pPr marL="0" indent="0" algn="l"/>
+            <a:r>
+              <a:rPr lang="en-US" sz="1600" b="0">
+                <a:solidFill>
+                  <a:srgbClr val="000000"/>
+                </a:solidFill>
+                <a:latin typeface="Liberation Mono" panose="02070409020205020404" charset="0"/>
+              </a:rPr>
+              <a:t>def absolute_value(num):</a:t>
+            </a:r>
+            <a:endParaRPr lang="en-US" sz="1600" b="0">
+              <a:solidFill>
+                <a:srgbClr val="000000"/>
+              </a:solidFill>
+              <a:latin typeface="Liberation Mono" panose="02070409020205020404" charset="0"/>
+            </a:endParaRPr>
+          </a:p>
+          <a:p>
+            <a:pPr marL="0" indent="0" algn="l"/>
+            <a:r>
+              <a:rPr lang="en-US" sz="1600" b="0">
+                <a:solidFill>
+                  <a:srgbClr val="000000"/>
+                </a:solidFill>
+                <a:latin typeface="Liberation Mono" panose="02070409020205020404" charset="0"/>
+              </a:rPr>
+              <a:t>	"""This function returns the absolute</a:t>
+            </a:r>
+            <a:endParaRPr lang="en-US" sz="1600" b="0">
+              <a:solidFill>
+                <a:srgbClr val="000000"/>
+              </a:solidFill>
+              <a:latin typeface="Liberation Mono" panose="02070409020205020404" charset="0"/>
+            </a:endParaRPr>
+          </a:p>
+          <a:p>
+            <a:pPr marL="0" indent="0" algn="l"/>
+            <a:r>
+              <a:rPr lang="en-US" sz="1600" b="0">
+                <a:solidFill>
+                  <a:srgbClr val="000000"/>
+                </a:solidFill>
+                <a:latin typeface="Liberation Mono" panose="02070409020205020404" charset="0"/>
+              </a:rPr>
+              <a:t>	value of the entered number"""</a:t>
+            </a:r>
+            <a:endParaRPr lang="en-US" sz="1600" b="0">
+              <a:solidFill>
+                <a:srgbClr val="000000"/>
+              </a:solidFill>
+              <a:latin typeface="Liberation Mono" panose="02070409020205020404" charset="0"/>
+            </a:endParaRPr>
+          </a:p>
+          <a:p>
+            <a:pPr marL="0" indent="0" algn="l"/>
+            <a:endParaRPr lang="en-US" sz="1600" b="0">
+              <a:solidFill>
+                <a:srgbClr val="000000"/>
+              </a:solidFill>
+              <a:latin typeface="Liberation Mono" panose="02070409020205020404" charset="0"/>
+            </a:endParaRPr>
+          </a:p>
+          <a:p>
+            <a:pPr marL="0" indent="0" algn="l"/>
+            <a:r>
+              <a:rPr lang="en-US" sz="1600" b="0">
+                <a:solidFill>
+                  <a:srgbClr val="000000"/>
+                </a:solidFill>
+                <a:latin typeface="Liberation Mono" panose="02070409020205020404" charset="0"/>
+              </a:rPr>
+              <a:t>	if num &gt;= 0:</a:t>
+            </a:r>
+            <a:endParaRPr lang="en-US" sz="1600" b="0">
+              <a:solidFill>
+                <a:srgbClr val="000000"/>
+              </a:solidFill>
+              <a:latin typeface="Liberation Mono" panose="02070409020205020404" charset="0"/>
+            </a:endParaRPr>
+          </a:p>
+          <a:p>
+            <a:pPr marL="0" indent="0" algn="l"/>
+            <a:r>
+              <a:rPr lang="en-US" sz="1600" b="0">
+                <a:solidFill>
+                  <a:srgbClr val="000000"/>
+                </a:solidFill>
+                <a:latin typeface="Liberation Mono" panose="02070409020205020404" charset="0"/>
+              </a:rPr>
+              <a:t>		return num</a:t>
+            </a:r>
+            <a:endParaRPr lang="en-US" sz="1600" b="0">
+              <a:solidFill>
+                <a:srgbClr val="000000"/>
+              </a:solidFill>
+              <a:latin typeface="Liberation Mono" panose="02070409020205020404" charset="0"/>
+            </a:endParaRPr>
+          </a:p>
+          <a:p>
+            <a:pPr marL="0" indent="0" algn="l"/>
+            <a:r>
+              <a:rPr lang="en-US" sz="1600" b="0">
+                <a:solidFill>
+                  <a:srgbClr val="000000"/>
+                </a:solidFill>
+                <a:latin typeface="Liberation Mono" panose="02070409020205020404" charset="0"/>
+              </a:rPr>
+              <a:t>	else:</a:t>
+            </a:r>
+            <a:endParaRPr lang="en-US" sz="1600" b="0">
+              <a:solidFill>
+                <a:srgbClr val="000000"/>
+              </a:solidFill>
+              <a:latin typeface="Liberation Mono" panose="02070409020205020404" charset="0"/>
+            </a:endParaRPr>
+          </a:p>
+          <a:p>
+            <a:pPr marL="0" indent="0" algn="l"/>
+            <a:r>
+              <a:rPr lang="en-US" sz="1600" b="0">
+                <a:solidFill>
+                  <a:srgbClr val="000000"/>
+                </a:solidFill>
+                <a:latin typeface="Liberation Mono" panose="02070409020205020404" charset="0"/>
+              </a:rPr>
+              <a:t>		return -num</a:t>
+            </a:r>
+            <a:endParaRPr lang="en-US" sz="1600" b="0">
+              <a:solidFill>
+                <a:srgbClr val="000000"/>
+              </a:solidFill>
+              <a:latin typeface="Liberation Mono" panose="02070409020205020404" charset="0"/>
+            </a:endParaRPr>
+          </a:p>
+          <a:p>
+            <a:pPr marL="0" indent="0" algn="l"/>
+            <a:endParaRPr lang="en-US" sz="1600" b="0">
+              <a:solidFill>
+                <a:srgbClr val="000000"/>
+              </a:solidFill>
+              <a:latin typeface="Liberation Mono" panose="02070409020205020404" charset="0"/>
+            </a:endParaRPr>
+          </a:p>
+          <a:p>
+            <a:pPr marL="0" indent="0" algn="l"/>
+            <a:r>
+              <a:rPr lang="en-US" sz="1600" b="0">
+                <a:solidFill>
+                  <a:srgbClr val="000000"/>
+                </a:solidFill>
+                <a:latin typeface="Liberation Mono" panose="02070409020205020404" charset="0"/>
+              </a:rPr>
+              <a:t># Output: 2</a:t>
+            </a:r>
+            <a:endParaRPr lang="en-US" sz="1600" b="0">
+              <a:solidFill>
+                <a:srgbClr val="000000"/>
+              </a:solidFill>
+              <a:latin typeface="Liberation Mono" panose="02070409020205020404" charset="0"/>
+            </a:endParaRPr>
+          </a:p>
+          <a:p>
+            <a:pPr marL="0" indent="0" algn="l"/>
+            <a:r>
+              <a:rPr lang="en-US" sz="1600" b="0">
+                <a:solidFill>
+                  <a:srgbClr val="000000"/>
+                </a:solidFill>
+                <a:latin typeface="Liberation Mono" panose="02070409020205020404" charset="0"/>
+              </a:rPr>
+              <a:t>print(absolute_value(2))</a:t>
+            </a:r>
+            <a:endParaRPr lang="en-US" sz="1600" b="0">
+              <a:solidFill>
+                <a:srgbClr val="000000"/>
+              </a:solidFill>
+              <a:latin typeface="Liberation Mono" panose="02070409020205020404" charset="0"/>
+            </a:endParaRPr>
+          </a:p>
+          <a:p>
+            <a:pPr marL="0" indent="0" algn="l"/>
+            <a:endParaRPr lang="en-US" sz="1600" b="0">
+              <a:solidFill>
+                <a:srgbClr val="000000"/>
+              </a:solidFill>
+              <a:latin typeface="Liberation Mono" panose="02070409020205020404" charset="0"/>
+            </a:endParaRPr>
+          </a:p>
+          <a:p>
+            <a:pPr marL="0" indent="0" algn="l"/>
+            <a:r>
+              <a:rPr lang="en-US" sz="1600" b="0">
+                <a:solidFill>
+                  <a:srgbClr val="000000"/>
+                </a:solidFill>
+                <a:latin typeface="Liberation Mono" panose="02070409020205020404" charset="0"/>
+              </a:rPr>
+              <a:t># Output: 4</a:t>
+            </a:r>
+            <a:endParaRPr lang="en-US" sz="1600" b="0">
+              <a:solidFill>
+                <a:srgbClr val="000000"/>
+              </a:solidFill>
+              <a:latin typeface="Liberation Mono" panose="02070409020205020404" charset="0"/>
+            </a:endParaRPr>
+          </a:p>
+          <a:p>
+            <a:pPr marL="0" indent="0" algn="l"/>
+            <a:r>
+              <a:rPr lang="en-US" sz="1600" b="0">
+                <a:solidFill>
+                  <a:srgbClr val="000000"/>
+                </a:solidFill>
+                <a:latin typeface="Liberation Mono" panose="02070409020205020404" charset="0"/>
+              </a:rPr>
+              <a:t>print(absolute_value(-4))</a:t>
+            </a:r>
+            <a:endParaRPr lang="en-US" sz="1600" b="0">
+              <a:solidFill>
+                <a:srgbClr val="000000"/>
+              </a:solidFill>
+              <a:latin typeface="Liberation Mono" panose="02070409020205020404" charset="0"/>
+            </a:endParaRPr>
+          </a:p>
+        </p:txBody>
+      </p:sp>
+    </p:spTree>
+  </p:cSld>
+  <p:clrMapOvr>
+    <a:masterClrMapping/>
+  </p:clrMapOvr>
+</p:sld>
+</file>
+
+<file path=ppt/slides/slide8.xml><?xml version="1.0" encoding="utf-8"?>
+<p:sld xmlns:a="http://schemas.openxmlformats.org/drawingml/2006/main" xmlns:r="http://schemas.openxmlformats.org/officeDocument/2006/relationships" xmlns:p="http://schemas.openxmlformats.org/presentationml/2006/main">
+  <p:cSld>
+    <p:bg>
+      <p:bgPr>
+        <a:gradFill>
+          <a:gsLst>
+            <a:gs pos="94000">
+              <a:srgbClr val="54782E">
+                <a:alpha val="100000"/>
+              </a:srgbClr>
+            </a:gs>
+            <a:gs pos="99000">
+              <a:srgbClr val="557A2F">
+                <a:alpha val="100000"/>
+              </a:srgbClr>
+            </a:gs>
+            <a:gs pos="99000">
+              <a:srgbClr val="577D30">
+                <a:alpha val="100000"/>
+              </a:srgbClr>
+            </a:gs>
+            <a:gs pos="98000">
+              <a:srgbClr val="5C8433">
+                <a:alpha val="100000"/>
+              </a:srgbClr>
+            </a:gs>
+            <a:gs pos="96000">
+              <a:srgbClr val="659138">
+                <a:alpha val="100000"/>
+              </a:srgbClr>
+            </a:gs>
+            <a:gs pos="92000">
+              <a:srgbClr val="78AC42">
+                <a:alpha val="100000"/>
+              </a:srgbClr>
+            </a:gs>
+            <a:gs pos="42000">
+              <a:schemeClr val="bg1"/>
+            </a:gs>
+            <a:gs pos="100000">
+              <a:srgbClr val="52762D"/>
+            </a:gs>
+          </a:gsLst>
+          <a:lin ang="2700000" scaled="0"/>
+        </a:gradFill>
+        <a:effectLst/>
+      </p:bgPr>
+    </p:bg>
+    <p:spTree>
+      <p:nvGrpSpPr>
+        <p:cNvPr id="1" name=""/>
+        <p:cNvGrpSpPr/>
+        <p:nvPr/>
+      </p:nvGrpSpPr>
+      <p:grpSpPr/>
+      <p:pic>
+        <p:nvPicPr>
+          <p:cNvPr id="5" name="Picture 4" descr="United TrusT Logo"/>
+          <p:cNvPicPr>
+            <a:picLocks noChangeAspect="1"/>
+          </p:cNvPicPr>
+          <p:nvPr/>
+        </p:nvPicPr>
+        <p:blipFill>
+          <a:blip r:embed="rId1"/>
+          <a:stretch>
+            <a:fillRect/>
+          </a:stretch>
+        </p:blipFill>
+        <p:spPr>
+          <a:xfrm>
+            <a:off x="108585" y="6128385"/>
+            <a:ext cx="1650365" cy="634365"/>
+          </a:xfrm>
+          <a:prstGeom prst="rect">
+            <a:avLst/>
+          </a:prstGeom>
+        </p:spPr>
+      </p:pic>
+      <p:pic>
+        <p:nvPicPr>
+          <p:cNvPr id="6" name="Picture 5" descr="bdedu_logo"/>
+          <p:cNvPicPr>
+            <a:picLocks noChangeAspect="1"/>
+          </p:cNvPicPr>
+          <p:nvPr/>
+        </p:nvPicPr>
+        <p:blipFill>
+          <a:blip r:embed="rId2"/>
+          <a:stretch>
+            <a:fillRect/>
+          </a:stretch>
+        </p:blipFill>
+        <p:spPr>
+          <a:xfrm>
+            <a:off x="9440545" y="6061710"/>
+            <a:ext cx="2693670" cy="701040"/>
+          </a:xfrm>
+          <a:prstGeom prst="rect">
+            <a:avLst/>
+          </a:prstGeom>
+        </p:spPr>
+      </p:pic>
+      <p:pic>
+        <p:nvPicPr>
+          <p:cNvPr id="9" name="Picture 8"/>
+          <p:cNvPicPr>
+            <a:picLocks noChangeAspect="1"/>
+          </p:cNvPicPr>
+          <p:nvPr/>
+        </p:nvPicPr>
+        <p:blipFill>
+          <a:blip r:embed="rId3">
+            <a:lum bright="24000"/>
+          </a:blip>
+          <a:stretch>
+            <a:fillRect/>
+          </a:stretch>
+        </p:blipFill>
+        <p:spPr>
+          <a:xfrm>
+            <a:off x="108585" y="-498475"/>
+            <a:ext cx="2097405" cy="2482850"/>
+          </a:xfrm>
+          <a:prstGeom prst="rect">
+            <a:avLst/>
+          </a:prstGeom>
+          <a:noFill/>
+          <a:ln>
+            <a:noFill/>
+          </a:ln>
+        </p:spPr>
+      </p:pic>
+      <p:sp>
+        <p:nvSpPr>
+          <p:cNvPr id="10" name="Freeform 9"/>
+          <p:cNvSpPr/>
+          <p:nvPr/>
+        </p:nvSpPr>
+        <p:spPr>
+          <a:xfrm>
+            <a:off x="2205990" y="283845"/>
+            <a:ext cx="9353550" cy="1162050"/>
+          </a:xfrm>
+          <a:custGeom>
+            <a:avLst/>
+            <a:gdLst>
+              <a:gd name="connsiteX0" fmla="*/ 0 w 14730"/>
+              <a:gd name="connsiteY0" fmla="*/ 0 h 1830"/>
+              <a:gd name="connsiteX1" fmla="*/ 13869 w 14730"/>
+              <a:gd name="connsiteY1" fmla="*/ 60 h 1830"/>
+              <a:gd name="connsiteX2" fmla="*/ 14730 w 14730"/>
+              <a:gd name="connsiteY2" fmla="*/ 1830 h 1830"/>
+              <a:gd name="connsiteX3" fmla="*/ 0 w 14730"/>
+              <a:gd name="connsiteY3" fmla="*/ 1830 h 1830"/>
+              <a:gd name="connsiteX4" fmla="*/ 0 w 14730"/>
+              <a:gd name="connsiteY4" fmla="*/ 0 h 1830"/>
+            </a:gdLst>
+            <a:ahLst/>
+            <a:cxnLst>
+              <a:cxn ang="0">
+                <a:pos x="connsiteX0" y="connsiteY0"/>
+              </a:cxn>
+              <a:cxn ang="0">
+                <a:pos x="connsiteX1" y="connsiteY1"/>
+              </a:cxn>
+              <a:cxn ang="0">
+                <a:pos x="connsiteX2" y="connsiteY2"/>
+              </a:cxn>
+              <a:cxn ang="0">
+                <a:pos x="connsiteX3" y="connsiteY3"/>
+              </a:cxn>
+              <a:cxn ang="0">
+                <a:pos x="connsiteX4" y="connsiteY4"/>
+              </a:cxn>
+            </a:cxnLst>
+            <a:rect l="l" t="t" r="r" b="b"/>
+            <a:pathLst>
+              <a:path w="14730" h="1830">
+                <a:moveTo>
+                  <a:pt x="0" y="0"/>
+                </a:moveTo>
+                <a:lnTo>
+                  <a:pt x="13869" y="60"/>
+                </a:lnTo>
+                <a:lnTo>
+                  <a:pt x="14730" y="1830"/>
+                </a:lnTo>
+                <a:lnTo>
+                  <a:pt x="0" y="1830"/>
+                </a:lnTo>
+                <a:lnTo>
+                  <a:pt x="0" y="0"/>
+                </a:lnTo>
+                <a:close/>
+              </a:path>
+            </a:pathLst>
+          </a:custGeom>
+          <a:gradFill>
+            <a:gsLst>
+              <a:gs pos="80000">
+                <a:srgbClr val="92D050"/>
+              </a:gs>
+              <a:gs pos="100000">
+                <a:schemeClr val="accent1">
+                  <a:lumMod val="30000"/>
+                  <a:lumOff val="70000"/>
+                </a:schemeClr>
+              </a:gs>
+            </a:gsLst>
+            <a:path path="rect">
+              <a:fillToRect l="50000" t="50000" r="50000" b="50000"/>
+            </a:path>
+            <a:tileRect/>
+          </a:gradFill>
+          <a:ln>
+            <a:solidFill>
+              <a:schemeClr val="bg1">
+                <a:alpha val="88000"/>
+              </a:schemeClr>
+            </a:solidFill>
+          </a:ln>
+        </p:spPr>
+        <p:style>
+          <a:lnRef idx="2">
+            <a:schemeClr val="accent1">
+              <a:shade val="50000"/>
+            </a:schemeClr>
+          </a:lnRef>
+          <a:fillRef idx="1">
+            <a:schemeClr val="accent1"/>
+          </a:fillRef>
+          <a:effectRef idx="0">
+            <a:schemeClr val="accent1"/>
+          </a:effectRef>
+          <a:fontRef idx="minor">
+            <a:schemeClr val="lt1"/>
+          </a:fontRef>
+        </p:style>
+        <p:txBody>
+          <a:bodyPr rtlCol="0" anchor="ctr"/>
+          <a:p>
+            <a:pPr algn="ctr"/>
+            <a:endParaRPr lang="en-US"/>
+          </a:p>
+        </p:txBody>
+      </p:sp>
+      <p:sp>
+        <p:nvSpPr>
+          <p:cNvPr id="11" name="Text Box 10"/>
+          <p:cNvSpPr txBox="1"/>
+          <p:nvPr/>
+        </p:nvSpPr>
+        <p:spPr>
+          <a:xfrm>
+            <a:off x="2205990" y="283845"/>
+            <a:ext cx="9508490" cy="1322070"/>
+          </a:xfrm>
+          <a:prstGeom prst="rect">
+            <a:avLst/>
+          </a:prstGeom>
+          <a:noFill/>
+        </p:spPr>
+        <p:txBody>
+          <a:bodyPr wrap="square" rtlCol="0">
+            <a:spAutoFit/>
+          </a:bodyPr>
+          <a:p>
+            <a:r>
+              <a:rPr lang="en-US" altLang="en-US" sz="8000">
+                <a:solidFill>
+                  <a:srgbClr val="C6790C"/>
+                </a:solidFill>
+                <a:latin typeface="Uroob" panose="00000800000000000000" charset="0"/>
+                <a:cs typeface="Uroob" panose="00000800000000000000" charset="0"/>
+              </a:rPr>
+              <a:t>How Function works ?</a:t>
+            </a:r>
+            <a:endParaRPr lang="en-US" altLang="en-US" sz="8000">
+              <a:solidFill>
+                <a:srgbClr val="C6790C"/>
+              </a:solidFill>
+              <a:latin typeface="Uroob" panose="00000800000000000000" charset="0"/>
+              <a:cs typeface="Uroob" panose="00000800000000000000" charset="0"/>
+            </a:endParaRPr>
+          </a:p>
+        </p:txBody>
+      </p:sp>
+      <p:pic>
+        <p:nvPicPr>
+          <p:cNvPr id="3" name="Picture 1" descr="How function works in Python?"/>
           <p:cNvPicPr>
             <a:picLocks noChangeAspect="1"/>
           </p:cNvPicPr>
@@ -4723,7 +6238,7 @@
                 </a:srgbClr>
               </a:clrTo>
             </a:clrChange>
-            <a:lum bright="-12000"/>
+            <a:lum bright="-24000"/>
           </a:blip>
           <a:stretch>
             <a:fillRect/>
@@ -4731,8 +6246,8 @@
         </p:blipFill>
         <p:spPr>
           <a:xfrm>
-            <a:off x="3051175" y="1589088"/>
-            <a:ext cx="4527550" cy="4472305"/>
+            <a:off x="3381375" y="1605915"/>
+            <a:ext cx="4418965" cy="4295140"/>
           </a:xfrm>
           <a:prstGeom prst="rect">
             <a:avLst/>
@@ -4751,7 +6266,7 @@
 </p:sld>
 </file>
 
-<file path=ppt/slides/slide6.xml><?xml version="1.0" encoding="utf-8"?>
+<file path=ppt/slides/slide9.xml><?xml version="1.0" encoding="utf-8"?>
 <p:sld xmlns:a="http://schemas.openxmlformats.org/drawingml/2006/main" xmlns:r="http://schemas.openxmlformats.org/officeDocument/2006/relationships" xmlns:p="http://schemas.openxmlformats.org/presentationml/2006/main">
   <p:cSld>
     <p:bg>
